--- a/OPL_Final_Project_Presentation.pptx
+++ b/OPL_Final_Project_Presentation.pptx
@@ -219,7 +219,7 @@
           <a:p>
             <a:fld id="{1B42416F-0DBB-47FC-A807-C7AD03B76F09}" type="datetimeFigureOut">
               <a:rPr lang="en-US" smtClean="0"/>
-              <a:t>11/28/2016</a:t>
+              <a:t>11/30/2016</a:t>
             </a:fld>
             <a:endParaRPr lang="en-US"/>
           </a:p>
@@ -710,7 +710,7 @@
           <a:p>
             <a:fld id="{77AE494B-074E-4AA7-B2FA-06D04CE49371}" type="datetimeFigureOut">
               <a:rPr lang="en-US" smtClean="0"/>
-              <a:t>11/28/2016</a:t>
+              <a:t>11/30/2016</a:t>
             </a:fld>
             <a:endParaRPr lang="en-US"/>
           </a:p>
@@ -878,7 +878,7 @@
           <a:p>
             <a:fld id="{77AE494B-074E-4AA7-B2FA-06D04CE49371}" type="datetimeFigureOut">
               <a:rPr lang="en-US" smtClean="0"/>
-              <a:t>11/28/2016</a:t>
+              <a:t>11/30/2016</a:t>
             </a:fld>
             <a:endParaRPr lang="en-US"/>
           </a:p>
@@ -1056,7 +1056,7 @@
           <a:p>
             <a:fld id="{77AE494B-074E-4AA7-B2FA-06D04CE49371}" type="datetimeFigureOut">
               <a:rPr lang="en-US" smtClean="0"/>
-              <a:t>11/28/2016</a:t>
+              <a:t>11/30/2016</a:t>
             </a:fld>
             <a:endParaRPr lang="en-US"/>
           </a:p>
@@ -1224,7 +1224,7 @@
           <a:p>
             <a:fld id="{77AE494B-074E-4AA7-B2FA-06D04CE49371}" type="datetimeFigureOut">
               <a:rPr lang="en-US" smtClean="0"/>
-              <a:t>11/28/2016</a:t>
+              <a:t>11/30/2016</a:t>
             </a:fld>
             <a:endParaRPr lang="en-US"/>
           </a:p>
@@ -1469,7 +1469,7 @@
           <a:p>
             <a:fld id="{77AE494B-074E-4AA7-B2FA-06D04CE49371}" type="datetimeFigureOut">
               <a:rPr lang="en-US" smtClean="0"/>
-              <a:t>11/28/2016</a:t>
+              <a:t>11/30/2016</a:t>
             </a:fld>
             <a:endParaRPr lang="en-US"/>
           </a:p>
@@ -1698,7 +1698,7 @@
           <a:p>
             <a:fld id="{77AE494B-074E-4AA7-B2FA-06D04CE49371}" type="datetimeFigureOut">
               <a:rPr lang="en-US" smtClean="0"/>
-              <a:t>11/28/2016</a:t>
+              <a:t>11/30/2016</a:t>
             </a:fld>
             <a:endParaRPr lang="en-US"/>
           </a:p>
@@ -2062,7 +2062,7 @@
           <a:p>
             <a:fld id="{77AE494B-074E-4AA7-B2FA-06D04CE49371}" type="datetimeFigureOut">
               <a:rPr lang="en-US" smtClean="0"/>
-              <a:t>11/28/2016</a:t>
+              <a:t>11/30/2016</a:t>
             </a:fld>
             <a:endParaRPr lang="en-US"/>
           </a:p>
@@ -2179,7 +2179,7 @@
           <a:p>
             <a:fld id="{77AE494B-074E-4AA7-B2FA-06D04CE49371}" type="datetimeFigureOut">
               <a:rPr lang="en-US" smtClean="0"/>
-              <a:t>11/28/2016</a:t>
+              <a:t>11/30/2016</a:t>
             </a:fld>
             <a:endParaRPr lang="en-US"/>
           </a:p>
@@ -2274,7 +2274,7 @@
           <a:p>
             <a:fld id="{77AE494B-074E-4AA7-B2FA-06D04CE49371}" type="datetimeFigureOut">
               <a:rPr lang="en-US" smtClean="0"/>
-              <a:t>11/28/2016</a:t>
+              <a:t>11/30/2016</a:t>
             </a:fld>
             <a:endParaRPr lang="en-US"/>
           </a:p>
@@ -2549,7 +2549,7 @@
           <a:p>
             <a:fld id="{77AE494B-074E-4AA7-B2FA-06D04CE49371}" type="datetimeFigureOut">
               <a:rPr lang="en-US" smtClean="0"/>
-              <a:t>11/28/2016</a:t>
+              <a:t>11/30/2016</a:t>
             </a:fld>
             <a:endParaRPr lang="en-US"/>
           </a:p>
@@ -2801,7 +2801,7 @@
           <a:p>
             <a:fld id="{77AE494B-074E-4AA7-B2FA-06D04CE49371}" type="datetimeFigureOut">
               <a:rPr lang="en-US" smtClean="0"/>
-              <a:t>11/28/2016</a:t>
+              <a:t>11/30/2016</a:t>
             </a:fld>
             <a:endParaRPr lang="en-US"/>
           </a:p>
@@ -3012,7 +3012,7 @@
           <a:p>
             <a:fld id="{77AE494B-074E-4AA7-B2FA-06D04CE49371}" type="datetimeFigureOut">
               <a:rPr lang="en-US" smtClean="0"/>
-              <a:t>11/28/2016</a:t>
+              <a:t>11/30/2016</a:t>
             </a:fld>
             <a:endParaRPr lang="en-US"/>
           </a:p>
@@ -3629,7 +3629,7 @@
             </p:spPr>
             <p:txBody>
               <a:bodyPr vert="horz" lIns="91440" tIns="45720" rIns="91440" bIns="45720" rtlCol="0">
-                <a:normAutofit lnSpcReduction="10000"/>
+                <a:normAutofit fontScale="92500" lnSpcReduction="10000"/>
               </a:bodyPr>
               <a:lstStyle/>
               <a:p>
@@ -3971,6 +3971,139 @@
                 </a14:m>
                 <a:endParaRPr lang="en-US" sz="1800" dirty="0"/>
               </a:p>
+              <a:p>
+                <a:pPr marL="1200150" lvl="2" indent="-228600">
+                  <a:buFont typeface="Arial" panose="020B0604020202020204" pitchFamily="34" charset="0"/>
+                  <a:buChar char="•"/>
+                </a:pPr>
+                <a14:m>
+                  <m:oMath xmlns:m="http://schemas.openxmlformats.org/officeDocument/2006/math">
+                    <m:d>
+                      <m:dPr>
+                        <m:ctrlPr>
+                          <a:rPr lang="en-US" sz="2000" b="0" i="1" smtClean="0">
+                            <a:latin typeface="Cambria Math" panose="02040503050406030204" pitchFamily="18" charset="0"/>
+                          </a:rPr>
+                        </m:ctrlPr>
+                      </m:dPr>
+                      <m:e>
+                        <m:r>
+                          <a:rPr lang="en-US" sz="2000" b="0" i="1" smtClean="0">
+                            <a:latin typeface="Cambria Math" panose="02040503050406030204" pitchFamily="18" charset="0"/>
+                          </a:rPr>
+                          <m:t>.</m:t>
+                        </m:r>
+                      </m:e>
+                    </m:d>
+                    <m:r>
+                      <a:rPr lang="en-US" sz="2000" b="0" i="1" smtClean="0">
+                        <a:latin typeface="Cambria Math" panose="02040503050406030204" pitchFamily="18" charset="0"/>
+                      </a:rPr>
+                      <m:t>∷</m:t>
+                    </m:r>
+                    <m:d>
+                      <m:dPr>
+                        <m:ctrlPr>
+                          <a:rPr lang="en-US" sz="2000" b="0" i="1" smtClean="0">
+                            <a:latin typeface="Cambria Math" panose="02040503050406030204" pitchFamily="18" charset="0"/>
+                          </a:rPr>
+                        </m:ctrlPr>
+                      </m:dPr>
+                      <m:e>
+                        <m:r>
+                          <a:rPr lang="en-US" sz="2000" b="0" i="1" smtClean="0">
+                            <a:latin typeface="Cambria Math" panose="02040503050406030204" pitchFamily="18" charset="0"/>
+                          </a:rPr>
+                          <m:t>𝑏</m:t>
+                        </m:r>
+                        <m:r>
+                          <a:rPr lang="en-US" sz="2000" b="0" i="1" smtClean="0">
+                            <a:latin typeface="Cambria Math" panose="02040503050406030204" pitchFamily="18" charset="0"/>
+                          </a:rPr>
+                          <m:t>→</m:t>
+                        </m:r>
+                        <m:r>
+                          <a:rPr lang="en-US" sz="2000" b="0" i="1" smtClean="0">
+                            <a:latin typeface="Cambria Math" panose="02040503050406030204" pitchFamily="18" charset="0"/>
+                          </a:rPr>
+                          <m:t>𝑐</m:t>
+                        </m:r>
+                      </m:e>
+                    </m:d>
+                    <m:r>
+                      <a:rPr lang="en-US" sz="2000" b="0" i="1" smtClean="0">
+                        <a:latin typeface="Cambria Math" panose="02040503050406030204" pitchFamily="18" charset="0"/>
+                      </a:rPr>
+                      <m:t>→</m:t>
+                    </m:r>
+                    <m:d>
+                      <m:dPr>
+                        <m:ctrlPr>
+                          <a:rPr lang="en-US" sz="2000" b="0" i="1" smtClean="0">
+                            <a:latin typeface="Cambria Math" panose="02040503050406030204" pitchFamily="18" charset="0"/>
+                          </a:rPr>
+                        </m:ctrlPr>
+                      </m:dPr>
+                      <m:e>
+                        <m:r>
+                          <a:rPr lang="en-US" sz="2000" b="0" i="1" smtClean="0">
+                            <a:latin typeface="Cambria Math" panose="02040503050406030204" pitchFamily="18" charset="0"/>
+                          </a:rPr>
+                          <m:t>𝑎</m:t>
+                        </m:r>
+                        <m:r>
+                          <a:rPr lang="en-US" sz="2000" b="0" i="1" smtClean="0">
+                            <a:latin typeface="Cambria Math" panose="02040503050406030204" pitchFamily="18" charset="0"/>
+                          </a:rPr>
+                          <m:t>→</m:t>
+                        </m:r>
+                        <m:r>
+                          <a:rPr lang="en-US" sz="2000" b="0" i="1" smtClean="0">
+                            <a:latin typeface="Cambria Math" panose="02040503050406030204" pitchFamily="18" charset="0"/>
+                          </a:rPr>
+                          <m:t>𝑏</m:t>
+                        </m:r>
+                      </m:e>
+                    </m:d>
+                    <m:r>
+                      <a:rPr lang="en-US" sz="2000" b="0" i="1" smtClean="0">
+                        <a:latin typeface="Cambria Math" panose="02040503050406030204" pitchFamily="18" charset="0"/>
+                      </a:rPr>
+                      <m:t>→</m:t>
+                    </m:r>
+                    <m:d>
+                      <m:dPr>
+                        <m:ctrlPr>
+                          <a:rPr lang="en-US" sz="2000" b="0" i="1" smtClean="0">
+                            <a:latin typeface="Cambria Math" panose="02040503050406030204" pitchFamily="18" charset="0"/>
+                          </a:rPr>
+                        </m:ctrlPr>
+                      </m:dPr>
+                      <m:e>
+                        <m:r>
+                          <a:rPr lang="en-US" sz="2000" b="0" i="1" smtClean="0">
+                            <a:latin typeface="Cambria Math" panose="02040503050406030204" pitchFamily="18" charset="0"/>
+                          </a:rPr>
+                          <m:t>𝑎</m:t>
+                        </m:r>
+                        <m:r>
+                          <a:rPr lang="en-US" sz="2000" b="0" i="1" smtClean="0">
+                            <a:latin typeface="Cambria Math" panose="02040503050406030204" pitchFamily="18" charset="0"/>
+                          </a:rPr>
+                          <m:t>→</m:t>
+                        </m:r>
+                        <m:r>
+                          <a:rPr lang="en-US" sz="2000" b="0" i="1" smtClean="0">
+                            <a:latin typeface="Cambria Math" panose="02040503050406030204" pitchFamily="18" charset="0"/>
+                          </a:rPr>
+                          <m:t>𝑐</m:t>
+                        </m:r>
+                      </m:e>
+                    </m:d>
+                  </m:oMath>
+                </a14:m>
+                <a:endParaRPr lang="en-US" sz="2000" dirty="0"/>
+              </a:p>
             </p:txBody>
           </p:sp>
         </mc:Choice>
@@ -3993,7 +4126,7 @@
               <a:blipFill>
                 <a:blip r:embed="rId3"/>
                 <a:stretch>
-                  <a:fillRect l="-400" t="-1520" r="-300" b="-1317"/>
+                  <a:fillRect l="-200" t="-1317" r="-901"/>
                 </a:stretch>
               </a:blipFill>
             </p:spPr>
@@ -4662,8 +4795,8 @@
           </a:p>
         </p:txBody>
       </p:sp>
-      <mc:AlternateContent xmlns:mc="http://schemas.openxmlformats.org/markup-compatibility/2006">
-        <mc:Choice xmlns:a14="http://schemas.microsoft.com/office/drawing/2010/main" Requires="a14">
+      <mc:AlternateContent xmlns:mc="http://schemas.openxmlformats.org/markup-compatibility/2006" xmlns:a14="http://schemas.microsoft.com/office/drawing/2010/main">
+        <mc:Choice Requires="a14">
           <p:sp>
             <p:nvSpPr>
               <p:cNvPr id="6" name="Text Placeholder 5"/>
@@ -4682,7 +4815,7 @@
             </p:spPr>
             <p:txBody>
               <a:bodyPr vert="horz" lIns="91440" tIns="45720" rIns="91440" bIns="45720" rtlCol="0">
-                <a:normAutofit/>
+                <a:normAutofit lnSpcReduction="10000"/>
               </a:bodyPr>
               <a:lstStyle/>
               <a:p>
@@ -4958,21 +5091,162 @@
                 </a:r>
                 <a:r>
                   <a:rPr lang="en-US" sz="1400" dirty="0"/>
-                  <a:t>. </a:t>
+                  <a:t>. The function used           </a:t>
                 </a:r>
                 <a14:m>
                   <m:oMath xmlns:m="http://schemas.openxmlformats.org/officeDocument/2006/math">
-                    <m:r>
-                      <a:rPr lang="en-US" sz="1400" b="0" i="1" smtClean="0">
-                        <a:latin typeface="Cambria Math" panose="02040503050406030204" pitchFamily="18" charset="0"/>
-                      </a:rPr>
-                      <m:t>𝑧𝑖𝑝𝑊𝑖𝑡h</m:t>
-                    </m:r>
+                    <m:d>
+                      <m:dPr>
+                        <m:ctrlPr>
+                          <a:rPr lang="en-US" sz="1400" b="0" i="1" smtClean="0">
+                            <a:latin typeface="Cambria Math" panose="02040503050406030204" pitchFamily="18" charset="0"/>
+                          </a:rPr>
+                        </m:ctrlPr>
+                      </m:dPr>
+                      <m:e>
+                        <m:r>
+                          <a:rPr lang="en-US" sz="1400" b="0" i="1" smtClean="0">
+                            <a:latin typeface="Cambria Math" panose="02040503050406030204" pitchFamily="18" charset="0"/>
+                          </a:rPr>
+                          <m:t>𝑧𝑖𝑝𝑊𝑖𝑡h</m:t>
+                        </m:r>
+                        <m:r>
+                          <a:rPr lang="en-US" sz="1400" b="0" i="1" smtClean="0">
+                            <a:latin typeface="Cambria Math" panose="02040503050406030204" pitchFamily="18" charset="0"/>
+                          </a:rPr>
+                          <m:t>∷</m:t>
+                        </m:r>
+                        <m:d>
+                          <m:dPr>
+                            <m:ctrlPr>
+                              <a:rPr lang="en-US" sz="1400" b="0" i="1" smtClean="0">
+                                <a:latin typeface="Cambria Math" panose="02040503050406030204" pitchFamily="18" charset="0"/>
+                              </a:rPr>
+                            </m:ctrlPr>
+                          </m:dPr>
+                          <m:e>
+                            <m:r>
+                              <a:rPr lang="en-US" sz="1400" b="0" i="1" smtClean="0">
+                                <a:latin typeface="Cambria Math" panose="02040503050406030204" pitchFamily="18" charset="0"/>
+                              </a:rPr>
+                              <m:t>𝑎</m:t>
+                            </m:r>
+                            <m:r>
+                              <a:rPr lang="en-US" sz="1400" b="0" i="1" smtClean="0">
+                                <a:latin typeface="Cambria Math" panose="02040503050406030204" pitchFamily="18" charset="0"/>
+                              </a:rPr>
+                              <m:t>→</m:t>
+                            </m:r>
+                            <m:r>
+                              <a:rPr lang="en-US" sz="1400" b="0" i="1" smtClean="0">
+                                <a:latin typeface="Cambria Math" panose="02040503050406030204" pitchFamily="18" charset="0"/>
+                              </a:rPr>
+                              <m:t>𝑏</m:t>
+                            </m:r>
+                            <m:r>
+                              <a:rPr lang="en-US" sz="1400" b="0" i="1" smtClean="0">
+                                <a:latin typeface="Cambria Math" panose="02040503050406030204" pitchFamily="18" charset="0"/>
+                              </a:rPr>
+                              <m:t>→</m:t>
+                            </m:r>
+                            <m:r>
+                              <a:rPr lang="en-US" sz="1400" b="0" i="1" smtClean="0">
+                                <a:latin typeface="Cambria Math" panose="02040503050406030204" pitchFamily="18" charset="0"/>
+                              </a:rPr>
+                              <m:t>𝑐</m:t>
+                            </m:r>
+                          </m:e>
+                        </m:d>
+                        <m:r>
+                          <a:rPr lang="en-US" sz="1400" b="0" i="1" smtClean="0">
+                            <a:latin typeface="Cambria Math" panose="02040503050406030204" pitchFamily="18" charset="0"/>
+                          </a:rPr>
+                          <m:t>→</m:t>
+                        </m:r>
+                        <m:d>
+                          <m:dPr>
+                            <m:begChr m:val="["/>
+                            <m:endChr m:val="]"/>
+                            <m:ctrlPr>
+                              <a:rPr lang="en-US" sz="1400" b="0" i="1" smtClean="0">
+                                <a:latin typeface="Cambria Math" panose="02040503050406030204" pitchFamily="18" charset="0"/>
+                              </a:rPr>
+                            </m:ctrlPr>
+                          </m:dPr>
+                          <m:e>
+                            <m:r>
+                              <a:rPr lang="en-US" sz="1400" b="0" i="1" smtClean="0">
+                                <a:latin typeface="Cambria Math" panose="02040503050406030204" pitchFamily="18" charset="0"/>
+                              </a:rPr>
+                              <m:t>𝑎</m:t>
+                            </m:r>
+                          </m:e>
+                        </m:d>
+                        <m:r>
+                          <a:rPr lang="en-US" sz="1400" b="0" i="1" smtClean="0">
+                            <a:latin typeface="Cambria Math" panose="02040503050406030204" pitchFamily="18" charset="0"/>
+                          </a:rPr>
+                          <m:t>→</m:t>
+                        </m:r>
+                        <m:d>
+                          <m:dPr>
+                            <m:begChr m:val="["/>
+                            <m:endChr m:val="]"/>
+                            <m:ctrlPr>
+                              <a:rPr lang="en-US" sz="1400" b="0" i="1" smtClean="0">
+                                <a:latin typeface="Cambria Math" panose="02040503050406030204" pitchFamily="18" charset="0"/>
+                              </a:rPr>
+                            </m:ctrlPr>
+                          </m:dPr>
+                          <m:e>
+                            <m:r>
+                              <a:rPr lang="en-US" sz="1400" b="0" i="1" smtClean="0">
+                                <a:latin typeface="Cambria Math" panose="02040503050406030204" pitchFamily="18" charset="0"/>
+                              </a:rPr>
+                              <m:t>𝑏</m:t>
+                            </m:r>
+                          </m:e>
+                        </m:d>
+                        <m:r>
+                          <a:rPr lang="en-US" sz="1400" b="0" i="1" smtClean="0">
+                            <a:latin typeface="Cambria Math" panose="02040503050406030204" pitchFamily="18" charset="0"/>
+                          </a:rPr>
+                          <m:t>→</m:t>
+                        </m:r>
+                        <m:d>
+                          <m:dPr>
+                            <m:begChr m:val="["/>
+                            <m:endChr m:val="]"/>
+                            <m:ctrlPr>
+                              <a:rPr lang="en-US" sz="1400" b="0" i="1" smtClean="0">
+                                <a:latin typeface="Cambria Math" panose="02040503050406030204" pitchFamily="18" charset="0"/>
+                              </a:rPr>
+                            </m:ctrlPr>
+                          </m:dPr>
+                          <m:e>
+                            <m:r>
+                              <a:rPr lang="en-US" sz="1400" b="0" i="1" smtClean="0">
+                                <a:latin typeface="Cambria Math" panose="02040503050406030204" pitchFamily="18" charset="0"/>
+                              </a:rPr>
+                              <m:t>𝑐</m:t>
+                            </m:r>
+                          </m:e>
+                        </m:d>
+                      </m:e>
+                    </m:d>
                   </m:oMath>
                 </a14:m>
                 <a:r>
                   <a:rPr lang="en-US" sz="1400" dirty="0"/>
-                  <a:t> applies the function to the head of both lists (I.E: The last two values evaluated). </a:t>
+                  <a:t> applies the function to </a:t>
+                </a:r>
+                <a:r>
+                  <a:rPr lang="en-US" sz="1400"/>
+                  <a:t>the head of </a:t>
+                </a:r>
+                <a:r>
+                  <a:rPr lang="en-US" sz="1400" dirty="0"/>
+                  <a:t>both lists (I.E: The last two values evaluated). </a:t>
                 </a:r>
                 <a14:m>
                   <m:oMath xmlns:m="http://schemas.openxmlformats.org/officeDocument/2006/math">
@@ -5071,7 +5345,7 @@
             </p:txBody>
           </p:sp>
         </mc:Choice>
-        <mc:Fallback>
+        <mc:Fallback xmlns="">
           <p:sp>
             <p:nvSpPr>
               <p:cNvPr id="6" name="Text Placeholder 5"/>
@@ -5090,7 +5364,7 @@
               <a:blipFill>
                 <a:blip r:embed="rId3"/>
                 <a:stretch>
-                  <a:fillRect l="-950" t="-1016" r="-1056"/>
+                  <a:fillRect l="-950" t="-1423" r="-211"/>
                 </a:stretch>
               </a:blipFill>
             </p:spPr>
@@ -5351,8 +5625,8 @@
           </a:p>
         </p:txBody>
       </p:sp>
-      <mc:AlternateContent xmlns:mc="http://schemas.openxmlformats.org/markup-compatibility/2006" xmlns:a14="http://schemas.microsoft.com/office/drawing/2010/main">
-        <mc:Choice Requires="a14">
+      <mc:AlternateContent xmlns:mc="http://schemas.openxmlformats.org/markup-compatibility/2006">
+        <mc:Choice xmlns:a14="http://schemas.microsoft.com/office/drawing/2010/main" Requires="a14">
           <p:sp>
             <p:nvSpPr>
               <p:cNvPr id="6" name="Text Placeholder 5"/>
@@ -5401,7 +5675,7 @@
                 </a:pPr>
                 <a:r>
                   <a:rPr lang="en-US" sz="1600" dirty="0"/>
-                  <a:t>Can be polymorphic</a:t>
+                  <a:t>Even arithmetic operators are methods</a:t>
                 </a:r>
               </a:p>
               <a:p>
@@ -5435,6 +5709,21 @@
                 </a:r>
               </a:p>
               <a:p>
+                <a:pPr lvl="2" indent="-228600">
+                  <a:buFont typeface="Arial" panose="020B0604020202020204" pitchFamily="34" charset="0"/>
+                  <a:buChar char="•"/>
+                </a:pPr>
+                <a:r>
+                  <a:rPr lang="en-US" sz="1600" dirty="0"/>
+                  <a:t>Specify that the generic type </a:t>
+                </a:r>
+                <a:r>
+                  <a:rPr lang="en-US" sz="1600"/>
+                  <a:t>must implement the listed types</a:t>
+                </a:r>
+                <a:endParaRPr lang="en-US" sz="1600" dirty="0"/>
+              </a:p>
+              <a:p>
                 <a:pPr lvl="1" indent="-228600">
                   <a:buFont typeface="Arial" panose="020B0604020202020204" pitchFamily="34" charset="0"/>
                   <a:buChar char="•"/>
@@ -5523,7 +5812,20 @@
                   <a:buFont typeface="Arial" panose="020B0604020202020204" pitchFamily="34" charset="0"/>
                   <a:buChar char="•"/>
                 </a:pPr>
-                <a:endParaRPr lang="en-US" sz="1800" dirty="0"/>
+                <a:r>
+                  <a:rPr lang="en-US" sz="1800" dirty="0"/>
+                  <a:t>Can be instantiated by data types</a:t>
+                </a:r>
+              </a:p>
+              <a:p>
+                <a:pPr lvl="2" indent="-228600">
+                  <a:buFont typeface="Arial" panose="020B0604020202020204" pitchFamily="34" charset="0"/>
+                  <a:buChar char="•"/>
+                </a:pPr>
+                <a:r>
+                  <a:rPr lang="en-US" sz="1600" dirty="0"/>
+                  <a:t>Must implement required methods</a:t>
+                </a:r>
               </a:p>
               <a:p>
                 <a:endParaRPr lang="en-US" sz="2000" dirty="0"/>
@@ -5531,7 +5833,7 @@
             </p:txBody>
           </p:sp>
         </mc:Choice>
-        <mc:Fallback xmlns="">
+        <mc:Fallback>
           <p:sp>
             <p:nvSpPr>
               <p:cNvPr id="6" name="Text Placeholder 5"/>
@@ -6697,8 +6999,8 @@
           <a:chExt cx="0" cy="0"/>
         </a:xfrm>
       </p:grpSpPr>
-      <mc:AlternateContent xmlns:mc="http://schemas.openxmlformats.org/markup-compatibility/2006">
-        <mc:Choice xmlns:a14="http://schemas.microsoft.com/office/drawing/2010/main" Requires="a14">
+      <mc:AlternateContent xmlns:mc="http://schemas.openxmlformats.org/markup-compatibility/2006" xmlns:a14="http://schemas.microsoft.com/office/drawing/2010/main">
+        <mc:Choice Requires="a14">
           <p:sp>
             <p:nvSpPr>
               <p:cNvPr id="2" name="Title 1"/>
@@ -6737,7 +7039,7 @@
             </p:txBody>
           </p:sp>
         </mc:Choice>
-        <mc:Fallback>
+        <mc:Fallback xmlns="">
           <p:sp>
             <p:nvSpPr>
               <p:cNvPr id="2" name="Title 1"/>
@@ -6787,12 +7089,8 @@
           <a:lstStyle/>
           <a:p>
             <a:r>
-              <a:rPr lang="en-US"/>
-              <a:t>Discuss and Run </a:t>
-            </a:r>
-            <a:r>
               <a:rPr lang="en-US" dirty="0"/>
-              <a:t>the Virtual Machine first</a:t>
+              <a:t>Discuss and Run the Virtual Machine first</a:t>
             </a:r>
           </a:p>
           <a:p>
@@ -7105,8 +7403,8 @@
           </a:p>
         </p:txBody>
       </p:sp>
-      <mc:AlternateContent xmlns:mc="http://schemas.openxmlformats.org/markup-compatibility/2006">
-        <mc:Choice xmlns:a14="http://schemas.microsoft.com/office/drawing/2010/main" Requires="a14">
+      <mc:AlternateContent xmlns:mc="http://schemas.openxmlformats.org/markup-compatibility/2006" xmlns:a14="http://schemas.microsoft.com/office/drawing/2010/main">
+        <mc:Choice Requires="a14">
           <p:sp>
             <p:nvSpPr>
               <p:cNvPr id="4" name="Content Placeholder 3"/>
@@ -7246,7 +7544,7 @@
             </p:txBody>
           </p:sp>
         </mc:Choice>
-        <mc:Fallback>
+        <mc:Fallback xmlns="">
           <p:sp>
             <p:nvSpPr>
               <p:cNvPr id="4" name="Content Placeholder 3"/>
@@ -7479,8 +7777,8 @@
           </a:p>
         </p:txBody>
       </p:sp>
-      <mc:AlternateContent xmlns:mc="http://schemas.openxmlformats.org/markup-compatibility/2006">
-        <mc:Choice xmlns:a14="http://schemas.microsoft.com/office/drawing/2010/main" Requires="a14">
+      <mc:AlternateContent xmlns:mc="http://schemas.openxmlformats.org/markup-compatibility/2006" xmlns:a14="http://schemas.microsoft.com/office/drawing/2010/main">
+        <mc:Choice Requires="a14">
           <p:sp>
             <p:nvSpPr>
               <p:cNvPr id="3" name="Content Placeholder 2"/>
@@ -7499,7 +7797,7 @@
             </p:spPr>
             <p:txBody>
               <a:bodyPr>
-                <a:normAutofit fontScale="92500" lnSpcReduction="10000"/>
+                <a:normAutofit fontScale="92500" lnSpcReduction="20000"/>
               </a:bodyPr>
               <a:lstStyle/>
               <a:p>
@@ -7945,6 +8243,199 @@
                   <a:rPr lang="en-US" dirty="0"/>
                   <a:t>A List (in Haskell)</a:t>
                 </a:r>
+              </a:p>
+              <a:p>
+                <a:pPr lvl="3"/>
+                <a14:m>
+                  <m:oMath xmlns:m="http://schemas.openxmlformats.org/officeDocument/2006/math">
+                    <m:d>
+                      <m:dPr>
+                        <m:ctrlPr>
+                          <a:rPr lang="en-US" b="0" i="1" smtClean="0">
+                            <a:latin typeface="Cambria Math" panose="02040503050406030204" pitchFamily="18" charset="0"/>
+                          </a:rPr>
+                        </m:ctrlPr>
+                      </m:dPr>
+                      <m:e>
+                        <m:r>
+                          <a:rPr lang="en-US" b="0" i="1" smtClean="0">
+                            <a:latin typeface="Cambria Math" panose="02040503050406030204" pitchFamily="18" charset="0"/>
+                          </a:rPr>
+                          <m:t>++</m:t>
+                        </m:r>
+                      </m:e>
+                    </m:d>
+                    <m:r>
+                      <a:rPr lang="en-US" b="0" i="1" smtClean="0">
+                        <a:latin typeface="Cambria Math" panose="02040503050406030204" pitchFamily="18" charset="0"/>
+                      </a:rPr>
+                      <m:t>∷</m:t>
+                    </m:r>
+                    <m:d>
+                      <m:dPr>
+                        <m:begChr m:val="["/>
+                        <m:endChr m:val="]"/>
+                        <m:ctrlPr>
+                          <a:rPr lang="en-US" b="0" i="1" smtClean="0">
+                            <a:latin typeface="Cambria Math" panose="02040503050406030204" pitchFamily="18" charset="0"/>
+                          </a:rPr>
+                        </m:ctrlPr>
+                      </m:dPr>
+                      <m:e>
+                        <m:r>
+                          <a:rPr lang="en-US" b="0" i="1" smtClean="0">
+                            <a:latin typeface="Cambria Math" panose="02040503050406030204" pitchFamily="18" charset="0"/>
+                          </a:rPr>
+                          <m:t>𝑎</m:t>
+                        </m:r>
+                      </m:e>
+                    </m:d>
+                    <m:r>
+                      <a:rPr lang="en-US" b="0" i="1" smtClean="0">
+                        <a:latin typeface="Cambria Math" panose="02040503050406030204" pitchFamily="18" charset="0"/>
+                      </a:rPr>
+                      <m:t>→</m:t>
+                    </m:r>
+                    <m:d>
+                      <m:dPr>
+                        <m:begChr m:val="["/>
+                        <m:endChr m:val="]"/>
+                        <m:ctrlPr>
+                          <a:rPr lang="en-US" b="0" i="1" smtClean="0">
+                            <a:latin typeface="Cambria Math" panose="02040503050406030204" pitchFamily="18" charset="0"/>
+                          </a:rPr>
+                        </m:ctrlPr>
+                      </m:dPr>
+                      <m:e>
+                        <m:r>
+                          <a:rPr lang="en-US" b="0" i="1" smtClean="0">
+                            <a:latin typeface="Cambria Math" panose="02040503050406030204" pitchFamily="18" charset="0"/>
+                          </a:rPr>
+                          <m:t>𝑎</m:t>
+                        </m:r>
+                      </m:e>
+                    </m:d>
+                    <m:r>
+                      <a:rPr lang="en-US" b="0" i="1" smtClean="0">
+                        <a:latin typeface="Cambria Math" panose="02040503050406030204" pitchFamily="18" charset="0"/>
+                      </a:rPr>
+                      <m:t>→</m:t>
+                    </m:r>
+                    <m:d>
+                      <m:dPr>
+                        <m:begChr m:val="["/>
+                        <m:endChr m:val="]"/>
+                        <m:ctrlPr>
+                          <a:rPr lang="en-US" b="0" i="1" smtClean="0">
+                            <a:latin typeface="Cambria Math" panose="02040503050406030204" pitchFamily="18" charset="0"/>
+                          </a:rPr>
+                        </m:ctrlPr>
+                      </m:dPr>
+                      <m:e>
+                        <m:r>
+                          <a:rPr lang="en-US" b="0" i="1" smtClean="0">
+                            <a:latin typeface="Cambria Math" panose="02040503050406030204" pitchFamily="18" charset="0"/>
+                          </a:rPr>
+                          <m:t>𝑎</m:t>
+                        </m:r>
+                      </m:e>
+                    </m:d>
+                  </m:oMath>
+                </a14:m>
+                <a:endParaRPr lang="en-US" dirty="0"/>
+              </a:p>
+              <a:p>
+                <a:pPr lvl="4"/>
+                <a:r>
+                  <a:rPr lang="en-US" dirty="0"/>
+                  <a:t>Or… </a:t>
+                </a:r>
+                <a14:m>
+                  <m:oMath xmlns:m="http://schemas.openxmlformats.org/officeDocument/2006/math">
+                    <m:r>
+                      <a:rPr lang="en-US" b="0" i="0" smtClean="0">
+                        <a:latin typeface="Cambria Math" panose="02040503050406030204" pitchFamily="18" charset="0"/>
+                      </a:rPr>
+                      <m:t>++</m:t>
+                    </m:r>
+                    <m:r>
+                      <a:rPr lang="en-US" b="0" i="1" smtClean="0">
+                        <a:latin typeface="Cambria Math" panose="02040503050406030204" pitchFamily="18" charset="0"/>
+                      </a:rPr>
+                      <m:t>:</m:t>
+                    </m:r>
+                    <m:d>
+                      <m:dPr>
+                        <m:begChr m:val="["/>
+                        <m:endChr m:val="]"/>
+                        <m:ctrlPr>
+                          <a:rPr lang="en-US" b="0" i="1" smtClean="0">
+                            <a:latin typeface="Cambria Math" panose="02040503050406030204" pitchFamily="18" charset="0"/>
+                          </a:rPr>
+                        </m:ctrlPr>
+                      </m:dPr>
+                      <m:e>
+                        <m:r>
+                          <a:rPr lang="en-US" b="0" i="1" smtClean="0">
+                            <a:latin typeface="Cambria Math" panose="02040503050406030204" pitchFamily="18" charset="0"/>
+                          </a:rPr>
+                          <m:t>𝑎</m:t>
+                        </m:r>
+                      </m:e>
+                    </m:d>
+                    <m:r>
+                      <a:rPr lang="en-US" b="0" i="1" smtClean="0">
+                        <a:latin typeface="Cambria Math" panose="02040503050406030204" pitchFamily="18" charset="0"/>
+                      </a:rPr>
+                      <m:t>×</m:t>
+                    </m:r>
+                    <m:d>
+                      <m:dPr>
+                        <m:begChr m:val="["/>
+                        <m:endChr m:val="]"/>
+                        <m:ctrlPr>
+                          <a:rPr lang="en-US" b="0" i="1" smtClean="0">
+                            <a:latin typeface="Cambria Math" panose="02040503050406030204" pitchFamily="18" charset="0"/>
+                          </a:rPr>
+                        </m:ctrlPr>
+                      </m:dPr>
+                      <m:e>
+                        <m:r>
+                          <a:rPr lang="en-US" b="0" i="1" smtClean="0">
+                            <a:latin typeface="Cambria Math" panose="02040503050406030204" pitchFamily="18" charset="0"/>
+                          </a:rPr>
+                          <m:t>𝑎</m:t>
+                        </m:r>
+                      </m:e>
+                    </m:d>
+                    <m:r>
+                      <a:rPr lang="en-US" b="0" i="1" smtClean="0">
+                        <a:latin typeface="Cambria Math" panose="02040503050406030204" pitchFamily="18" charset="0"/>
+                      </a:rPr>
+                      <m:t>→</m:t>
+                    </m:r>
+                    <m:d>
+                      <m:dPr>
+                        <m:begChr m:val="["/>
+                        <m:endChr m:val="]"/>
+                        <m:ctrlPr>
+                          <a:rPr lang="en-US" b="0" i="1" smtClean="0">
+                            <a:latin typeface="Cambria Math" panose="02040503050406030204" pitchFamily="18" charset="0"/>
+                          </a:rPr>
+                        </m:ctrlPr>
+                      </m:dPr>
+                      <m:e>
+                        <m:r>
+                          <a:rPr lang="en-US" b="0" i="1" smtClean="0">
+                            <a:latin typeface="Cambria Math" panose="02040503050406030204" pitchFamily="18" charset="0"/>
+                          </a:rPr>
+                          <m:t>𝑎</m:t>
+                        </m:r>
+                      </m:e>
+                    </m:d>
+                  </m:oMath>
+                </a14:m>
+                <a:endParaRPr lang="en-US" dirty="0"/>
               </a:p>
               <a:p>
                 <a:pPr lvl="3"/>
@@ -8216,7 +8707,7 @@
             </p:txBody>
           </p:sp>
         </mc:Choice>
-        <mc:Fallback>
+        <mc:Fallback xmlns="">
           <p:sp>
             <p:nvSpPr>
               <p:cNvPr id="3" name="Content Placeholder 2"/>
@@ -8235,7 +8726,7 @@
               <a:blipFill>
                 <a:blip r:embed="rId2"/>
                 <a:stretch>
-                  <a:fillRect l="-750" t="-1984" r="-500"/>
+                  <a:fillRect l="-750" t="-2480" r="-500" b="-198"/>
                 </a:stretch>
               </a:blipFill>
             </p:spPr>
@@ -8313,8 +8804,8 @@
           </a:p>
         </p:txBody>
       </p:sp>
-      <mc:AlternateContent xmlns:mc="http://schemas.openxmlformats.org/markup-compatibility/2006">
-        <mc:Choice xmlns:a14="http://schemas.microsoft.com/office/drawing/2010/main" Requires="a14">
+      <mc:AlternateContent xmlns:mc="http://schemas.openxmlformats.org/markup-compatibility/2006" xmlns:a14="http://schemas.microsoft.com/office/drawing/2010/main">
+        <mc:Choice Requires="a14">
           <p:sp>
             <p:nvSpPr>
               <p:cNvPr id="3" name="Content Placeholder 2"/>
@@ -8874,7 +9365,7 @@
             </p:txBody>
           </p:sp>
         </mc:Choice>
-        <mc:Fallback>
+        <mc:Fallback xmlns="">
           <p:sp>
             <p:nvSpPr>
               <p:cNvPr id="3" name="Content Placeholder 2"/>
@@ -8975,8 +9466,8 @@
           </a:p>
         </p:txBody>
       </p:sp>
-      <mc:AlternateContent xmlns:mc="http://schemas.openxmlformats.org/markup-compatibility/2006">
-        <mc:Choice xmlns:a14="http://schemas.microsoft.com/office/drawing/2010/main" Requires="a14">
+      <mc:AlternateContent xmlns:mc="http://schemas.openxmlformats.org/markup-compatibility/2006" xmlns:a14="http://schemas.microsoft.com/office/drawing/2010/main">
+        <mc:Choice Requires="a14">
           <p:sp>
             <p:nvSpPr>
               <p:cNvPr id="3" name="Content Placeholder 2"/>
@@ -9625,7 +10116,7 @@
             </p:txBody>
           </p:sp>
         </mc:Choice>
-        <mc:Fallback>
+        <mc:Fallback xmlns="">
           <p:sp>
             <p:nvSpPr>
               <p:cNvPr id="3" name="Content Placeholder 2"/>
